--- a/CSHARP/04. APLICACION SITUACION PROBLEMATICA/02. REQUISITOS RU - RF - RNF.pptx
+++ b/CSHARP/04. APLICACION SITUACION PROBLEMATICA/02. REQUISITOS RU - RF - RNF.pptx
@@ -21297,7 +21297,7 @@
           <a:p>
             <a:fld id="{B6E6CCBB-7448-4D8B-97E4-07C3B3EA5E29}" type="datetimeFigureOut">
               <a:rPr lang="es-CO" smtClean="0"/>
-              <a:t>20/08/2022</a:t>
+              <a:t>23/10/2022</a:t>
             </a:fld>
             <a:endParaRPr lang="es-CO"/>
           </a:p>
@@ -21587,7 +21587,7 @@
           <p:cNvPr id="2" name="Título 1">
             <a:extLst>
               <a:ext uri="{FF2B5EF4-FFF2-40B4-BE49-F238E27FC236}">
-                <a16:creationId xmlns="" xmlns:a16="http://schemas.microsoft.com/office/drawing/2014/main" id="{393DCA57-3396-437C-A001-485CE0774BCB}"/>
+                <a16:creationId xmlns:a16="http://schemas.microsoft.com/office/drawing/2014/main" xmlns="" id="{393DCA57-3396-437C-A001-485CE0774BCB}"/>
               </a:ext>
             </a:extLst>
           </p:cNvPr>
@@ -21625,7 +21625,7 @@
           <p:cNvPr id="3" name="Subtítulo 2">
             <a:extLst>
               <a:ext uri="{FF2B5EF4-FFF2-40B4-BE49-F238E27FC236}">
-                <a16:creationId xmlns="" xmlns:a16="http://schemas.microsoft.com/office/drawing/2014/main" id="{E7C27F3B-2C4D-4B52-B702-B3BCC746E04D}"/>
+                <a16:creationId xmlns:a16="http://schemas.microsoft.com/office/drawing/2014/main" xmlns="" id="{E7C27F3B-2C4D-4B52-B702-B3BCC746E04D}"/>
               </a:ext>
             </a:extLst>
           </p:cNvPr>
@@ -21696,7 +21696,7 @@
           <p:cNvPr id="4" name="Marcador de fecha 3">
             <a:extLst>
               <a:ext uri="{FF2B5EF4-FFF2-40B4-BE49-F238E27FC236}">
-                <a16:creationId xmlns="" xmlns:a16="http://schemas.microsoft.com/office/drawing/2014/main" id="{2BC638D5-718C-4E49-9D1E-190F3C8E07C2}"/>
+                <a16:creationId xmlns:a16="http://schemas.microsoft.com/office/drawing/2014/main" xmlns="" id="{2BC638D5-718C-4E49-9D1E-190F3C8E07C2}"/>
               </a:ext>
             </a:extLst>
           </p:cNvPr>
@@ -21714,7 +21714,7 @@
           <a:p>
             <a:fld id="{20D1709E-3946-46D0-AB21-FE17C010AAA6}" type="datetimeFigureOut">
               <a:rPr lang="es-CO" smtClean="0"/>
-              <a:t>20/08/2022</a:t>
+              <a:t>23/10/2022</a:t>
             </a:fld>
             <a:endParaRPr lang="es-CO"/>
           </a:p>
@@ -21725,7 +21725,7 @@
           <p:cNvPr id="5" name="Marcador de pie de página 4">
             <a:extLst>
               <a:ext uri="{FF2B5EF4-FFF2-40B4-BE49-F238E27FC236}">
-                <a16:creationId xmlns="" xmlns:a16="http://schemas.microsoft.com/office/drawing/2014/main" id="{3276707C-FB46-45F5-818B-36FAEB8F340A}"/>
+                <a16:creationId xmlns:a16="http://schemas.microsoft.com/office/drawing/2014/main" xmlns="" id="{3276707C-FB46-45F5-818B-36FAEB8F340A}"/>
               </a:ext>
             </a:extLst>
           </p:cNvPr>
@@ -21750,7 +21750,7 @@
           <p:cNvPr id="6" name="Marcador de número de diapositiva 5">
             <a:extLst>
               <a:ext uri="{FF2B5EF4-FFF2-40B4-BE49-F238E27FC236}">
-                <a16:creationId xmlns="" xmlns:a16="http://schemas.microsoft.com/office/drawing/2014/main" id="{8FD16FDC-7D3B-42F9-BEDD-65133C487E69}"/>
+                <a16:creationId xmlns:a16="http://schemas.microsoft.com/office/drawing/2014/main" xmlns="" id="{8FD16FDC-7D3B-42F9-BEDD-65133C487E69}"/>
               </a:ext>
             </a:extLst>
           </p:cNvPr>
@@ -21779,7 +21779,7 @@
           <p:cNvPr id="12" name="Imagen 11">
             <a:extLst>
               <a:ext uri="{FF2B5EF4-FFF2-40B4-BE49-F238E27FC236}">
-                <a16:creationId xmlns="" xmlns:a16="http://schemas.microsoft.com/office/drawing/2014/main" id="{6ECC74C6-FB85-4281-8B0D-0712678A8553}"/>
+                <a16:creationId xmlns:a16="http://schemas.microsoft.com/office/drawing/2014/main" xmlns="" id="{6ECC74C6-FB85-4281-8B0D-0712678A8553}"/>
               </a:ext>
             </a:extLst>
           </p:cNvPr>
@@ -21845,7 +21845,7 @@
           <p:cNvPr id="2" name="Título 1">
             <a:extLst>
               <a:ext uri="{FF2B5EF4-FFF2-40B4-BE49-F238E27FC236}">
-                <a16:creationId xmlns="" xmlns:a16="http://schemas.microsoft.com/office/drawing/2014/main" id="{456072B7-7FDF-43D2-AF95-1C5D0BE8C2EB}"/>
+                <a16:creationId xmlns:a16="http://schemas.microsoft.com/office/drawing/2014/main" xmlns="" id="{456072B7-7FDF-43D2-AF95-1C5D0BE8C2EB}"/>
               </a:ext>
             </a:extLst>
           </p:cNvPr>
@@ -21874,7 +21874,7 @@
           <p:cNvPr id="3" name="Marcador de contenido 2">
             <a:extLst>
               <a:ext uri="{FF2B5EF4-FFF2-40B4-BE49-F238E27FC236}">
-                <a16:creationId xmlns="" xmlns:a16="http://schemas.microsoft.com/office/drawing/2014/main" id="{AC392882-4362-4C14-A359-0E232BB2FCB4}"/>
+                <a16:creationId xmlns:a16="http://schemas.microsoft.com/office/drawing/2014/main" xmlns="" id="{AC392882-4362-4C14-A359-0E232BB2FCB4}"/>
               </a:ext>
             </a:extLst>
           </p:cNvPr>
@@ -21932,7 +21932,7 @@
           <p:cNvPr id="4" name="Marcador de fecha 3">
             <a:extLst>
               <a:ext uri="{FF2B5EF4-FFF2-40B4-BE49-F238E27FC236}">
-                <a16:creationId xmlns="" xmlns:a16="http://schemas.microsoft.com/office/drawing/2014/main" id="{A7DAF922-BFAF-44E6-8AFB-FBEF3F4E2A8D}"/>
+                <a16:creationId xmlns:a16="http://schemas.microsoft.com/office/drawing/2014/main" xmlns="" id="{A7DAF922-BFAF-44E6-8AFB-FBEF3F4E2A8D}"/>
               </a:ext>
             </a:extLst>
           </p:cNvPr>
@@ -21950,7 +21950,7 @@
           <a:p>
             <a:fld id="{20D1709E-3946-46D0-AB21-FE17C010AAA6}" type="datetimeFigureOut">
               <a:rPr lang="es-CO" smtClean="0"/>
-              <a:t>20/08/2022</a:t>
+              <a:t>23/10/2022</a:t>
             </a:fld>
             <a:endParaRPr lang="es-CO"/>
           </a:p>
@@ -21961,7 +21961,7 @@
           <p:cNvPr id="5" name="Marcador de pie de página 4">
             <a:extLst>
               <a:ext uri="{FF2B5EF4-FFF2-40B4-BE49-F238E27FC236}">
-                <a16:creationId xmlns="" xmlns:a16="http://schemas.microsoft.com/office/drawing/2014/main" id="{10488B6D-8DCB-4622-84C4-C2692790C63D}"/>
+                <a16:creationId xmlns:a16="http://schemas.microsoft.com/office/drawing/2014/main" xmlns="" id="{10488B6D-8DCB-4622-84C4-C2692790C63D}"/>
               </a:ext>
             </a:extLst>
           </p:cNvPr>
@@ -21986,7 +21986,7 @@
           <p:cNvPr id="6" name="Marcador de número de diapositiva 5">
             <a:extLst>
               <a:ext uri="{FF2B5EF4-FFF2-40B4-BE49-F238E27FC236}">
-                <a16:creationId xmlns="" xmlns:a16="http://schemas.microsoft.com/office/drawing/2014/main" id="{3F24E3C1-CA2F-480F-B317-8880F18A5351}"/>
+                <a16:creationId xmlns:a16="http://schemas.microsoft.com/office/drawing/2014/main" xmlns="" id="{3F24E3C1-CA2F-480F-B317-8880F18A5351}"/>
               </a:ext>
             </a:extLst>
           </p:cNvPr>
@@ -22015,7 +22015,7 @@
           <p:cNvPr id="11" name="Imagen 10">
             <a:extLst>
               <a:ext uri="{FF2B5EF4-FFF2-40B4-BE49-F238E27FC236}">
-                <a16:creationId xmlns="" xmlns:a16="http://schemas.microsoft.com/office/drawing/2014/main" id="{5386D8B5-7850-4D65-9275-CE9653EB313D}"/>
+                <a16:creationId xmlns:a16="http://schemas.microsoft.com/office/drawing/2014/main" xmlns="" id="{5386D8B5-7850-4D65-9275-CE9653EB313D}"/>
               </a:ext>
             </a:extLst>
           </p:cNvPr>
@@ -22081,7 +22081,7 @@
           <p:cNvPr id="2" name="Título 1">
             <a:extLst>
               <a:ext uri="{FF2B5EF4-FFF2-40B4-BE49-F238E27FC236}">
-                <a16:creationId xmlns="" xmlns:a16="http://schemas.microsoft.com/office/drawing/2014/main" id="{87BD01F4-E638-4C40-8A29-56E1E3CB925E}"/>
+                <a16:creationId xmlns:a16="http://schemas.microsoft.com/office/drawing/2014/main" xmlns="" id="{87BD01F4-E638-4C40-8A29-56E1E3CB925E}"/>
               </a:ext>
             </a:extLst>
           </p:cNvPr>
@@ -22115,7 +22115,7 @@
           <p:cNvPr id="3" name="Marcador de texto 2">
             <a:extLst>
               <a:ext uri="{FF2B5EF4-FFF2-40B4-BE49-F238E27FC236}">
-                <a16:creationId xmlns="" xmlns:a16="http://schemas.microsoft.com/office/drawing/2014/main" id="{2843129E-9B5A-41BC-BCDD-ED6766FC1442}"/>
+                <a16:creationId xmlns:a16="http://schemas.microsoft.com/office/drawing/2014/main" xmlns="" id="{2843129E-9B5A-41BC-BCDD-ED6766FC1442}"/>
               </a:ext>
             </a:extLst>
           </p:cNvPr>
@@ -22186,7 +22186,7 @@
           <p:cNvPr id="4" name="Marcador de contenido 3">
             <a:extLst>
               <a:ext uri="{FF2B5EF4-FFF2-40B4-BE49-F238E27FC236}">
-                <a16:creationId xmlns="" xmlns:a16="http://schemas.microsoft.com/office/drawing/2014/main" id="{0F70F18A-9287-45A9-ABCF-96A2EDCA0051}"/>
+                <a16:creationId xmlns:a16="http://schemas.microsoft.com/office/drawing/2014/main" xmlns="" id="{0F70F18A-9287-45A9-ABCF-96A2EDCA0051}"/>
               </a:ext>
             </a:extLst>
           </p:cNvPr>
@@ -22249,7 +22249,7 @@
           <p:cNvPr id="5" name="Marcador de texto 4">
             <a:extLst>
               <a:ext uri="{FF2B5EF4-FFF2-40B4-BE49-F238E27FC236}">
-                <a16:creationId xmlns="" xmlns:a16="http://schemas.microsoft.com/office/drawing/2014/main" id="{5581F368-EF72-43BE-820C-169DE25488BB}"/>
+                <a16:creationId xmlns:a16="http://schemas.microsoft.com/office/drawing/2014/main" xmlns="" id="{5581F368-EF72-43BE-820C-169DE25488BB}"/>
               </a:ext>
             </a:extLst>
           </p:cNvPr>
@@ -22320,7 +22320,7 @@
           <p:cNvPr id="6" name="Marcador de contenido 5">
             <a:extLst>
               <a:ext uri="{FF2B5EF4-FFF2-40B4-BE49-F238E27FC236}">
-                <a16:creationId xmlns="" xmlns:a16="http://schemas.microsoft.com/office/drawing/2014/main" id="{AD16AF1A-3AE2-4D57-8BC6-6D616D949765}"/>
+                <a16:creationId xmlns:a16="http://schemas.microsoft.com/office/drawing/2014/main" xmlns="" id="{AD16AF1A-3AE2-4D57-8BC6-6D616D949765}"/>
               </a:ext>
             </a:extLst>
           </p:cNvPr>
@@ -22383,7 +22383,7 @@
           <p:cNvPr id="7" name="Marcador de fecha 6">
             <a:extLst>
               <a:ext uri="{FF2B5EF4-FFF2-40B4-BE49-F238E27FC236}">
-                <a16:creationId xmlns="" xmlns:a16="http://schemas.microsoft.com/office/drawing/2014/main" id="{EF89162C-18BA-4599-A8AB-FC4ECB05A9EB}"/>
+                <a16:creationId xmlns:a16="http://schemas.microsoft.com/office/drawing/2014/main" xmlns="" id="{EF89162C-18BA-4599-A8AB-FC4ECB05A9EB}"/>
               </a:ext>
             </a:extLst>
           </p:cNvPr>
@@ -22401,7 +22401,7 @@
           <a:p>
             <a:fld id="{20D1709E-3946-46D0-AB21-FE17C010AAA6}" type="datetimeFigureOut">
               <a:rPr lang="es-CO" smtClean="0"/>
-              <a:t>20/08/2022</a:t>
+              <a:t>23/10/2022</a:t>
             </a:fld>
             <a:endParaRPr lang="es-CO"/>
           </a:p>
@@ -22412,7 +22412,7 @@
           <p:cNvPr id="8" name="Marcador de pie de página 7">
             <a:extLst>
               <a:ext uri="{FF2B5EF4-FFF2-40B4-BE49-F238E27FC236}">
-                <a16:creationId xmlns="" xmlns:a16="http://schemas.microsoft.com/office/drawing/2014/main" id="{70D7B2D2-1F66-462C-AD23-8E19AB2DFBBF}"/>
+                <a16:creationId xmlns:a16="http://schemas.microsoft.com/office/drawing/2014/main" xmlns="" id="{70D7B2D2-1F66-462C-AD23-8E19AB2DFBBF}"/>
               </a:ext>
             </a:extLst>
           </p:cNvPr>
@@ -22437,7 +22437,7 @@
           <p:cNvPr id="9" name="Marcador de número de diapositiva 8">
             <a:extLst>
               <a:ext uri="{FF2B5EF4-FFF2-40B4-BE49-F238E27FC236}">
-                <a16:creationId xmlns="" xmlns:a16="http://schemas.microsoft.com/office/drawing/2014/main" id="{1EE87630-B1CC-4ED9-B600-2B166DF97A2E}"/>
+                <a16:creationId xmlns:a16="http://schemas.microsoft.com/office/drawing/2014/main" xmlns="" id="{1EE87630-B1CC-4ED9-B600-2B166DF97A2E}"/>
               </a:ext>
             </a:extLst>
           </p:cNvPr>
@@ -22466,7 +22466,7 @@
           <p:cNvPr id="12" name="Imagen 11">
             <a:extLst>
               <a:ext uri="{FF2B5EF4-FFF2-40B4-BE49-F238E27FC236}">
-                <a16:creationId xmlns="" xmlns:a16="http://schemas.microsoft.com/office/drawing/2014/main" id="{DFE53075-3556-4CE1-B0EB-9D68612443C0}"/>
+                <a16:creationId xmlns:a16="http://schemas.microsoft.com/office/drawing/2014/main" xmlns="" id="{DFE53075-3556-4CE1-B0EB-9D68612443C0}"/>
               </a:ext>
             </a:extLst>
           </p:cNvPr>
@@ -22532,7 +22532,7 @@
           <p:cNvPr id="2" name="Título 1">
             <a:extLst>
               <a:ext uri="{FF2B5EF4-FFF2-40B4-BE49-F238E27FC236}">
-                <a16:creationId xmlns="" xmlns:a16="http://schemas.microsoft.com/office/drawing/2014/main" id="{05448947-C141-41FF-AE16-195BB2A7CBFE}"/>
+                <a16:creationId xmlns:a16="http://schemas.microsoft.com/office/drawing/2014/main" xmlns="" id="{05448947-C141-41FF-AE16-195BB2A7CBFE}"/>
               </a:ext>
             </a:extLst>
           </p:cNvPr>
@@ -22561,7 +22561,7 @@
           <p:cNvPr id="3" name="Marcador de fecha 2">
             <a:extLst>
               <a:ext uri="{FF2B5EF4-FFF2-40B4-BE49-F238E27FC236}">
-                <a16:creationId xmlns="" xmlns:a16="http://schemas.microsoft.com/office/drawing/2014/main" id="{0ED10905-2E74-417D-B07D-7B1A9F8BA4DC}"/>
+                <a16:creationId xmlns:a16="http://schemas.microsoft.com/office/drawing/2014/main" xmlns="" id="{0ED10905-2E74-417D-B07D-7B1A9F8BA4DC}"/>
               </a:ext>
             </a:extLst>
           </p:cNvPr>
@@ -22579,7 +22579,7 @@
           <a:p>
             <a:fld id="{20D1709E-3946-46D0-AB21-FE17C010AAA6}" type="datetimeFigureOut">
               <a:rPr lang="es-CO" smtClean="0"/>
-              <a:t>20/08/2022</a:t>
+              <a:t>23/10/2022</a:t>
             </a:fld>
             <a:endParaRPr lang="es-CO"/>
           </a:p>
@@ -22590,7 +22590,7 @@
           <p:cNvPr id="4" name="Marcador de pie de página 3">
             <a:extLst>
               <a:ext uri="{FF2B5EF4-FFF2-40B4-BE49-F238E27FC236}">
-                <a16:creationId xmlns="" xmlns:a16="http://schemas.microsoft.com/office/drawing/2014/main" id="{CB6C416F-B3BB-4307-8987-A5AA610D406B}"/>
+                <a16:creationId xmlns:a16="http://schemas.microsoft.com/office/drawing/2014/main" xmlns="" id="{CB6C416F-B3BB-4307-8987-A5AA610D406B}"/>
               </a:ext>
             </a:extLst>
           </p:cNvPr>
@@ -22615,7 +22615,7 @@
           <p:cNvPr id="5" name="Marcador de número de diapositiva 4">
             <a:extLst>
               <a:ext uri="{FF2B5EF4-FFF2-40B4-BE49-F238E27FC236}">
-                <a16:creationId xmlns="" xmlns:a16="http://schemas.microsoft.com/office/drawing/2014/main" id="{E8C6C406-C9B3-4E42-BD8D-E43FE8E43BDA}"/>
+                <a16:creationId xmlns:a16="http://schemas.microsoft.com/office/drawing/2014/main" xmlns="" id="{E8C6C406-C9B3-4E42-BD8D-E43FE8E43BDA}"/>
               </a:ext>
             </a:extLst>
           </p:cNvPr>
@@ -22644,7 +22644,7 @@
           <p:cNvPr id="8" name="Imagen 7">
             <a:extLst>
               <a:ext uri="{FF2B5EF4-FFF2-40B4-BE49-F238E27FC236}">
-                <a16:creationId xmlns="" xmlns:a16="http://schemas.microsoft.com/office/drawing/2014/main" id="{5E3C3009-66A0-4C0E-8DD7-1CDE9C96BA2E}"/>
+                <a16:creationId xmlns:a16="http://schemas.microsoft.com/office/drawing/2014/main" xmlns="" id="{5E3C3009-66A0-4C0E-8DD7-1CDE9C96BA2E}"/>
               </a:ext>
             </a:extLst>
           </p:cNvPr>
@@ -22710,7 +22710,7 @@
           <p:cNvPr id="2" name="Título 1">
             <a:extLst>
               <a:ext uri="{FF2B5EF4-FFF2-40B4-BE49-F238E27FC236}">
-                <a16:creationId xmlns="" xmlns:a16="http://schemas.microsoft.com/office/drawing/2014/main" id="{863D4DF8-E9EF-4922-B438-331196DC1E02}"/>
+                <a16:creationId xmlns:a16="http://schemas.microsoft.com/office/drawing/2014/main" xmlns="" id="{863D4DF8-E9EF-4922-B438-331196DC1E02}"/>
               </a:ext>
             </a:extLst>
           </p:cNvPr>
@@ -22748,7 +22748,7 @@
           <p:cNvPr id="3" name="Marcador de contenido 2">
             <a:extLst>
               <a:ext uri="{FF2B5EF4-FFF2-40B4-BE49-F238E27FC236}">
-                <a16:creationId xmlns="" xmlns:a16="http://schemas.microsoft.com/office/drawing/2014/main" id="{5BF20047-CFC6-4FF5-A38F-0EBCC2F6F6D3}"/>
+                <a16:creationId xmlns:a16="http://schemas.microsoft.com/office/drawing/2014/main" xmlns="" id="{5BF20047-CFC6-4FF5-A38F-0EBCC2F6F6D3}"/>
               </a:ext>
             </a:extLst>
           </p:cNvPr>
@@ -22839,7 +22839,7 @@
           <p:cNvPr id="4" name="Marcador de texto 3">
             <a:extLst>
               <a:ext uri="{FF2B5EF4-FFF2-40B4-BE49-F238E27FC236}">
-                <a16:creationId xmlns="" xmlns:a16="http://schemas.microsoft.com/office/drawing/2014/main" id="{C2F085C8-93F1-4BE0-90CB-99FF6BCAA44E}"/>
+                <a16:creationId xmlns:a16="http://schemas.microsoft.com/office/drawing/2014/main" xmlns="" id="{C2F085C8-93F1-4BE0-90CB-99FF6BCAA44E}"/>
               </a:ext>
             </a:extLst>
           </p:cNvPr>
@@ -22910,7 +22910,7 @@
           <p:cNvPr id="5" name="Marcador de fecha 4">
             <a:extLst>
               <a:ext uri="{FF2B5EF4-FFF2-40B4-BE49-F238E27FC236}">
-                <a16:creationId xmlns="" xmlns:a16="http://schemas.microsoft.com/office/drawing/2014/main" id="{177A5E3B-651B-4CA4-B2B7-24787CADE4A2}"/>
+                <a16:creationId xmlns:a16="http://schemas.microsoft.com/office/drawing/2014/main" xmlns="" id="{177A5E3B-651B-4CA4-B2B7-24787CADE4A2}"/>
               </a:ext>
             </a:extLst>
           </p:cNvPr>
@@ -22928,7 +22928,7 @@
           <a:p>
             <a:fld id="{20D1709E-3946-46D0-AB21-FE17C010AAA6}" type="datetimeFigureOut">
               <a:rPr lang="es-CO" smtClean="0"/>
-              <a:t>20/08/2022</a:t>
+              <a:t>23/10/2022</a:t>
             </a:fld>
             <a:endParaRPr lang="es-CO"/>
           </a:p>
@@ -22939,7 +22939,7 @@
           <p:cNvPr id="6" name="Marcador de pie de página 5">
             <a:extLst>
               <a:ext uri="{FF2B5EF4-FFF2-40B4-BE49-F238E27FC236}">
-                <a16:creationId xmlns="" xmlns:a16="http://schemas.microsoft.com/office/drawing/2014/main" id="{9EDB5E4A-F2FF-4F0E-BF61-8464EBD5D35B}"/>
+                <a16:creationId xmlns:a16="http://schemas.microsoft.com/office/drawing/2014/main" xmlns="" id="{9EDB5E4A-F2FF-4F0E-BF61-8464EBD5D35B}"/>
               </a:ext>
             </a:extLst>
           </p:cNvPr>
@@ -22964,7 +22964,7 @@
           <p:cNvPr id="7" name="Marcador de número de diapositiva 6">
             <a:extLst>
               <a:ext uri="{FF2B5EF4-FFF2-40B4-BE49-F238E27FC236}">
-                <a16:creationId xmlns="" xmlns:a16="http://schemas.microsoft.com/office/drawing/2014/main" id="{8BDDFA75-3CCE-4C71-822A-27DAF0E16D56}"/>
+                <a16:creationId xmlns:a16="http://schemas.microsoft.com/office/drawing/2014/main" xmlns="" id="{8BDDFA75-3CCE-4C71-822A-27DAF0E16D56}"/>
               </a:ext>
             </a:extLst>
           </p:cNvPr>
@@ -22993,7 +22993,7 @@
           <p:cNvPr id="11" name="Imagen 10">
             <a:extLst>
               <a:ext uri="{FF2B5EF4-FFF2-40B4-BE49-F238E27FC236}">
-                <a16:creationId xmlns="" xmlns:a16="http://schemas.microsoft.com/office/drawing/2014/main" id="{9B93726F-C1AD-4C18-B397-177B4D15514A}"/>
+                <a16:creationId xmlns:a16="http://schemas.microsoft.com/office/drawing/2014/main" xmlns="" id="{9B93726F-C1AD-4C18-B397-177B4D15514A}"/>
               </a:ext>
             </a:extLst>
           </p:cNvPr>
@@ -23059,7 +23059,7 @@
           <p:cNvPr id="2" name="Título 1">
             <a:extLst>
               <a:ext uri="{FF2B5EF4-FFF2-40B4-BE49-F238E27FC236}">
-                <a16:creationId xmlns="" xmlns:a16="http://schemas.microsoft.com/office/drawing/2014/main" id="{1398CF09-B240-4EC0-A3FA-6FB270B31D45}"/>
+                <a16:creationId xmlns:a16="http://schemas.microsoft.com/office/drawing/2014/main" xmlns="" id="{1398CF09-B240-4EC0-A3FA-6FB270B31D45}"/>
               </a:ext>
             </a:extLst>
           </p:cNvPr>
@@ -23097,7 +23097,7 @@
           <p:cNvPr id="3" name="Marcador de posición de imagen 2">
             <a:extLst>
               <a:ext uri="{FF2B5EF4-FFF2-40B4-BE49-F238E27FC236}">
-                <a16:creationId xmlns="" xmlns:a16="http://schemas.microsoft.com/office/drawing/2014/main" id="{E97EC6F1-A744-41A5-857F-DC45F453EA0B}"/>
+                <a16:creationId xmlns:a16="http://schemas.microsoft.com/office/drawing/2014/main" xmlns="" id="{E97EC6F1-A744-41A5-857F-DC45F453EA0B}"/>
               </a:ext>
             </a:extLst>
           </p:cNvPr>
@@ -23164,7 +23164,7 @@
           <p:cNvPr id="4" name="Marcador de texto 3">
             <a:extLst>
               <a:ext uri="{FF2B5EF4-FFF2-40B4-BE49-F238E27FC236}">
-                <a16:creationId xmlns="" xmlns:a16="http://schemas.microsoft.com/office/drawing/2014/main" id="{84055C9C-807D-4F2B-B335-19FD2C025637}"/>
+                <a16:creationId xmlns:a16="http://schemas.microsoft.com/office/drawing/2014/main" xmlns="" id="{84055C9C-807D-4F2B-B335-19FD2C025637}"/>
               </a:ext>
             </a:extLst>
           </p:cNvPr>
@@ -23235,7 +23235,7 @@
           <p:cNvPr id="5" name="Marcador de fecha 4">
             <a:extLst>
               <a:ext uri="{FF2B5EF4-FFF2-40B4-BE49-F238E27FC236}">
-                <a16:creationId xmlns="" xmlns:a16="http://schemas.microsoft.com/office/drawing/2014/main" id="{304120D9-3139-4247-8249-76C6B65EE3D5}"/>
+                <a16:creationId xmlns:a16="http://schemas.microsoft.com/office/drawing/2014/main" xmlns="" id="{304120D9-3139-4247-8249-76C6B65EE3D5}"/>
               </a:ext>
             </a:extLst>
           </p:cNvPr>
@@ -23253,7 +23253,7 @@
           <a:p>
             <a:fld id="{20D1709E-3946-46D0-AB21-FE17C010AAA6}" type="datetimeFigureOut">
               <a:rPr lang="es-CO" smtClean="0"/>
-              <a:t>20/08/2022</a:t>
+              <a:t>23/10/2022</a:t>
             </a:fld>
             <a:endParaRPr lang="es-CO"/>
           </a:p>
@@ -23264,7 +23264,7 @@
           <p:cNvPr id="6" name="Marcador de pie de página 5">
             <a:extLst>
               <a:ext uri="{FF2B5EF4-FFF2-40B4-BE49-F238E27FC236}">
-                <a16:creationId xmlns="" xmlns:a16="http://schemas.microsoft.com/office/drawing/2014/main" id="{575D8828-E5CD-4AFE-BACF-01C67A985695}"/>
+                <a16:creationId xmlns:a16="http://schemas.microsoft.com/office/drawing/2014/main" xmlns="" id="{575D8828-E5CD-4AFE-BACF-01C67A985695}"/>
               </a:ext>
             </a:extLst>
           </p:cNvPr>
@@ -23289,7 +23289,7 @@
           <p:cNvPr id="7" name="Marcador de número de diapositiva 6">
             <a:extLst>
               <a:ext uri="{FF2B5EF4-FFF2-40B4-BE49-F238E27FC236}">
-                <a16:creationId xmlns="" xmlns:a16="http://schemas.microsoft.com/office/drawing/2014/main" id="{48BBD036-3290-4630-8438-99FA0E26C84F}"/>
+                <a16:creationId xmlns:a16="http://schemas.microsoft.com/office/drawing/2014/main" xmlns="" id="{48BBD036-3290-4630-8438-99FA0E26C84F}"/>
               </a:ext>
             </a:extLst>
           </p:cNvPr>
@@ -23348,7 +23348,7 @@
           <p:cNvPr id="2" name="Título 1">
             <a:extLst>
               <a:ext uri="{FF2B5EF4-FFF2-40B4-BE49-F238E27FC236}">
-                <a16:creationId xmlns="" xmlns:a16="http://schemas.microsoft.com/office/drawing/2014/main" id="{8609E4E6-8C80-4BBE-90B5-E8B5EEE77870}"/>
+                <a16:creationId xmlns:a16="http://schemas.microsoft.com/office/drawing/2014/main" xmlns="" id="{8609E4E6-8C80-4BBE-90B5-E8B5EEE77870}"/>
               </a:ext>
             </a:extLst>
           </p:cNvPr>
@@ -23377,7 +23377,7 @@
           <p:cNvPr id="3" name="Marcador de texto vertical 2">
             <a:extLst>
               <a:ext uri="{FF2B5EF4-FFF2-40B4-BE49-F238E27FC236}">
-                <a16:creationId xmlns="" xmlns:a16="http://schemas.microsoft.com/office/drawing/2014/main" id="{F3D945BE-87B4-4408-8223-C10225FCD11D}"/>
+                <a16:creationId xmlns:a16="http://schemas.microsoft.com/office/drawing/2014/main" xmlns="" id="{F3D945BE-87B4-4408-8223-C10225FCD11D}"/>
               </a:ext>
             </a:extLst>
           </p:cNvPr>
@@ -23435,7 +23435,7 @@
           <p:cNvPr id="4" name="Marcador de fecha 3">
             <a:extLst>
               <a:ext uri="{FF2B5EF4-FFF2-40B4-BE49-F238E27FC236}">
-                <a16:creationId xmlns="" xmlns:a16="http://schemas.microsoft.com/office/drawing/2014/main" id="{CDC3E86A-F4EC-451F-BB90-76AC435D6089}"/>
+                <a16:creationId xmlns:a16="http://schemas.microsoft.com/office/drawing/2014/main" xmlns="" id="{CDC3E86A-F4EC-451F-BB90-76AC435D6089}"/>
               </a:ext>
             </a:extLst>
           </p:cNvPr>
@@ -23453,7 +23453,7 @@
           <a:p>
             <a:fld id="{20D1709E-3946-46D0-AB21-FE17C010AAA6}" type="datetimeFigureOut">
               <a:rPr lang="es-CO" smtClean="0"/>
-              <a:t>20/08/2022</a:t>
+              <a:t>23/10/2022</a:t>
             </a:fld>
             <a:endParaRPr lang="es-CO"/>
           </a:p>
@@ -23464,7 +23464,7 @@
           <p:cNvPr id="5" name="Marcador de pie de página 4">
             <a:extLst>
               <a:ext uri="{FF2B5EF4-FFF2-40B4-BE49-F238E27FC236}">
-                <a16:creationId xmlns="" xmlns:a16="http://schemas.microsoft.com/office/drawing/2014/main" id="{94786CB3-BE03-4373-991A-6677CBEBFF7F}"/>
+                <a16:creationId xmlns:a16="http://schemas.microsoft.com/office/drawing/2014/main" xmlns="" id="{94786CB3-BE03-4373-991A-6677CBEBFF7F}"/>
               </a:ext>
             </a:extLst>
           </p:cNvPr>
@@ -23489,7 +23489,7 @@
           <p:cNvPr id="6" name="Marcador de número de diapositiva 5">
             <a:extLst>
               <a:ext uri="{FF2B5EF4-FFF2-40B4-BE49-F238E27FC236}">
-                <a16:creationId xmlns="" xmlns:a16="http://schemas.microsoft.com/office/drawing/2014/main" id="{D057D65D-096A-4900-B1C4-2505C2DBBCC6}"/>
+                <a16:creationId xmlns:a16="http://schemas.microsoft.com/office/drawing/2014/main" xmlns="" id="{D057D65D-096A-4900-B1C4-2505C2DBBCC6}"/>
               </a:ext>
             </a:extLst>
           </p:cNvPr>
@@ -23548,7 +23548,7 @@
           <p:cNvPr id="2" name="Título vertical 1">
             <a:extLst>
               <a:ext uri="{FF2B5EF4-FFF2-40B4-BE49-F238E27FC236}">
-                <a16:creationId xmlns="" xmlns:a16="http://schemas.microsoft.com/office/drawing/2014/main" id="{49CF5996-F102-4C35-88AC-0BCE5E7C99B9}"/>
+                <a16:creationId xmlns:a16="http://schemas.microsoft.com/office/drawing/2014/main" xmlns="" id="{49CF5996-F102-4C35-88AC-0BCE5E7C99B9}"/>
               </a:ext>
             </a:extLst>
           </p:cNvPr>
@@ -23582,7 +23582,7 @@
           <p:cNvPr id="3" name="Marcador de texto vertical 2">
             <a:extLst>
               <a:ext uri="{FF2B5EF4-FFF2-40B4-BE49-F238E27FC236}">
-                <a16:creationId xmlns="" xmlns:a16="http://schemas.microsoft.com/office/drawing/2014/main" id="{14A6057D-4BD4-4035-BA06-873DD4ACEE6B}"/>
+                <a16:creationId xmlns:a16="http://schemas.microsoft.com/office/drawing/2014/main" xmlns="" id="{14A6057D-4BD4-4035-BA06-873DD4ACEE6B}"/>
               </a:ext>
             </a:extLst>
           </p:cNvPr>
@@ -23645,7 +23645,7 @@
           <p:cNvPr id="4" name="Marcador de fecha 3">
             <a:extLst>
               <a:ext uri="{FF2B5EF4-FFF2-40B4-BE49-F238E27FC236}">
-                <a16:creationId xmlns="" xmlns:a16="http://schemas.microsoft.com/office/drawing/2014/main" id="{A7DC9021-E32F-4B8E-BB06-5A91B194A9C7}"/>
+                <a16:creationId xmlns:a16="http://schemas.microsoft.com/office/drawing/2014/main" xmlns="" id="{A7DC9021-E32F-4B8E-BB06-5A91B194A9C7}"/>
               </a:ext>
             </a:extLst>
           </p:cNvPr>
@@ -23663,7 +23663,7 @@
           <a:p>
             <a:fld id="{20D1709E-3946-46D0-AB21-FE17C010AAA6}" type="datetimeFigureOut">
               <a:rPr lang="es-CO" smtClean="0"/>
-              <a:t>20/08/2022</a:t>
+              <a:t>23/10/2022</a:t>
             </a:fld>
             <a:endParaRPr lang="es-CO"/>
           </a:p>
@@ -23674,7 +23674,7 @@
           <p:cNvPr id="5" name="Marcador de pie de página 4">
             <a:extLst>
               <a:ext uri="{FF2B5EF4-FFF2-40B4-BE49-F238E27FC236}">
-                <a16:creationId xmlns="" xmlns:a16="http://schemas.microsoft.com/office/drawing/2014/main" id="{307F9F3F-1E42-4E06-AC36-8C41E60C5E4C}"/>
+                <a16:creationId xmlns:a16="http://schemas.microsoft.com/office/drawing/2014/main" xmlns="" id="{307F9F3F-1E42-4E06-AC36-8C41E60C5E4C}"/>
               </a:ext>
             </a:extLst>
           </p:cNvPr>
@@ -23699,7 +23699,7 @@
           <p:cNvPr id="6" name="Marcador de número de diapositiva 5">
             <a:extLst>
               <a:ext uri="{FF2B5EF4-FFF2-40B4-BE49-F238E27FC236}">
-                <a16:creationId xmlns="" xmlns:a16="http://schemas.microsoft.com/office/drawing/2014/main" id="{1C483B2D-7AE1-4B39-9D56-05D8599E0622}"/>
+                <a16:creationId xmlns:a16="http://schemas.microsoft.com/office/drawing/2014/main" xmlns="" id="{1C483B2D-7AE1-4B39-9D56-05D8599E0622}"/>
               </a:ext>
             </a:extLst>
           </p:cNvPr>
@@ -23763,7 +23763,7 @@
           <p:cNvPr id="2" name="Marcador de título 1">
             <a:extLst>
               <a:ext uri="{FF2B5EF4-FFF2-40B4-BE49-F238E27FC236}">
-                <a16:creationId xmlns="" xmlns:a16="http://schemas.microsoft.com/office/drawing/2014/main" id="{9D2B8E4D-B0A5-4F6D-B70B-9F893340C85A}"/>
+                <a16:creationId xmlns:a16="http://schemas.microsoft.com/office/drawing/2014/main" xmlns="" id="{9D2B8E4D-B0A5-4F6D-B70B-9F893340C85A}"/>
               </a:ext>
             </a:extLst>
           </p:cNvPr>
@@ -23802,7 +23802,7 @@
           <p:cNvPr id="3" name="Marcador de texto 2">
             <a:extLst>
               <a:ext uri="{FF2B5EF4-FFF2-40B4-BE49-F238E27FC236}">
-                <a16:creationId xmlns="" xmlns:a16="http://schemas.microsoft.com/office/drawing/2014/main" id="{92357C1C-D705-428A-8937-D01499D7293D}"/>
+                <a16:creationId xmlns:a16="http://schemas.microsoft.com/office/drawing/2014/main" xmlns="" id="{92357C1C-D705-428A-8937-D01499D7293D}"/>
               </a:ext>
             </a:extLst>
           </p:cNvPr>
@@ -23870,7 +23870,7 @@
           <p:cNvPr id="4" name="Marcador de fecha 3">
             <a:extLst>
               <a:ext uri="{FF2B5EF4-FFF2-40B4-BE49-F238E27FC236}">
-                <a16:creationId xmlns="" xmlns:a16="http://schemas.microsoft.com/office/drawing/2014/main" id="{BB18BA03-5208-414F-8E95-0899202B3CBF}"/>
+                <a16:creationId xmlns:a16="http://schemas.microsoft.com/office/drawing/2014/main" xmlns="" id="{BB18BA03-5208-414F-8E95-0899202B3CBF}"/>
               </a:ext>
             </a:extLst>
           </p:cNvPr>
@@ -23906,7 +23906,7 @@
           <a:p>
             <a:fld id="{20D1709E-3946-46D0-AB21-FE17C010AAA6}" type="datetimeFigureOut">
               <a:rPr lang="es-CO" smtClean="0"/>
-              <a:t>20/08/2022</a:t>
+              <a:t>23/10/2022</a:t>
             </a:fld>
             <a:endParaRPr lang="es-CO"/>
           </a:p>
@@ -23917,7 +23917,7 @@
           <p:cNvPr id="5" name="Marcador de pie de página 4">
             <a:extLst>
               <a:ext uri="{FF2B5EF4-FFF2-40B4-BE49-F238E27FC236}">
-                <a16:creationId xmlns="" xmlns:a16="http://schemas.microsoft.com/office/drawing/2014/main" id="{1B7E278C-CD3B-4BC7-819E-778C1B9ABDB8}"/>
+                <a16:creationId xmlns:a16="http://schemas.microsoft.com/office/drawing/2014/main" xmlns="" id="{1B7E278C-CD3B-4BC7-819E-778C1B9ABDB8}"/>
               </a:ext>
             </a:extLst>
           </p:cNvPr>
@@ -23960,7 +23960,7 @@
           <p:cNvPr id="6" name="Marcador de número de diapositiva 5">
             <a:extLst>
               <a:ext uri="{FF2B5EF4-FFF2-40B4-BE49-F238E27FC236}">
-                <a16:creationId xmlns="" xmlns:a16="http://schemas.microsoft.com/office/drawing/2014/main" id="{9B600AEB-434C-4C8A-A432-D9D84203E290}"/>
+                <a16:creationId xmlns:a16="http://schemas.microsoft.com/office/drawing/2014/main" xmlns="" id="{9B600AEB-434C-4C8A-A432-D9D84203E290}"/>
               </a:ext>
             </a:extLst>
           </p:cNvPr>
@@ -24325,7 +24325,7 @@
           <p:cNvPr id="4" name="Título 1">
             <a:extLst>
               <a:ext uri="{FF2B5EF4-FFF2-40B4-BE49-F238E27FC236}">
-                <a16:creationId xmlns="" xmlns:a16="http://schemas.microsoft.com/office/drawing/2014/main" id="{1334CBD3-A99C-41E8-9883-E9DA6A3829FF}"/>
+                <a16:creationId xmlns:a16="http://schemas.microsoft.com/office/drawing/2014/main" xmlns="" id="{1334CBD3-A99C-41E8-9883-E9DA6A3829FF}"/>
               </a:ext>
             </a:extLst>
           </p:cNvPr>
@@ -24383,7 +24383,7 @@
           <p:cNvPr id="5" name="Rectángulo 4">
             <a:extLst>
               <a:ext uri="{FF2B5EF4-FFF2-40B4-BE49-F238E27FC236}">
-                <a16:creationId xmlns="" xmlns:a16="http://schemas.microsoft.com/office/drawing/2014/main" id="{0CAE8DAB-AA51-4AAF-B433-545B03406555}"/>
+                <a16:creationId xmlns:a16="http://schemas.microsoft.com/office/drawing/2014/main" xmlns="" id="{0CAE8DAB-AA51-4AAF-B433-545B03406555}"/>
               </a:ext>
             </a:extLst>
           </p:cNvPr>
@@ -24438,7 +24438,7 @@
           <p:cNvPr id="6" name="CuadroTexto 5">
             <a:extLst>
               <a:ext uri="{FF2B5EF4-FFF2-40B4-BE49-F238E27FC236}">
-                <a16:creationId xmlns="" xmlns:a16="http://schemas.microsoft.com/office/drawing/2014/main" id="{20F98B3C-495B-4D19-8AEA-15E1C2591533}"/>
+                <a16:creationId xmlns:a16="http://schemas.microsoft.com/office/drawing/2014/main" xmlns="" id="{20F98B3C-495B-4D19-8AEA-15E1C2591533}"/>
               </a:ext>
             </a:extLst>
           </p:cNvPr>
@@ -24484,7 +24484,7 @@
           <p:cNvPr id="7" name="2 Marcador de texto">
             <a:extLst>
               <a:ext uri="{FF2B5EF4-FFF2-40B4-BE49-F238E27FC236}">
-                <a16:creationId xmlns="" xmlns:a16="http://schemas.microsoft.com/office/drawing/2014/main" id="{4185A630-10D0-4A68-B775-CDEA3FC338CC}"/>
+                <a16:creationId xmlns:a16="http://schemas.microsoft.com/office/drawing/2014/main" xmlns="" id="{4185A630-10D0-4A68-B775-CDEA3FC338CC}"/>
               </a:ext>
             </a:extLst>
           </p:cNvPr>
@@ -24707,7 +24707,7 @@
                 <a:hlinkClick r:id="rId3">
                   <a:extLst>
                     <a:ext uri="{A12FA001-AC4F-418D-AE19-62706E023703}">
-                      <ahyp:hlinkClr xmlns="" xmlns:ahyp="http://schemas.microsoft.com/office/drawing/2018/hyperlinkcolor" val="tx"/>
+                      <ahyp:hlinkClr xmlns:ahyp="http://schemas.microsoft.com/office/drawing/2018/hyperlinkcolor" xmlns="" val="tx"/>
                     </a:ext>
                   </a:extLst>
                 </a:hlinkClick>
@@ -24731,7 +24731,7 @@
           <p:cNvPr id="8" name="Group 3162">
             <a:extLst>
               <a:ext uri="{FF2B5EF4-FFF2-40B4-BE49-F238E27FC236}">
-                <a16:creationId xmlns="" xmlns:a16="http://schemas.microsoft.com/office/drawing/2014/main" id="{F6E59D80-076C-4696-A8CA-B30D77AEDCFC}"/>
+                <a16:creationId xmlns:a16="http://schemas.microsoft.com/office/drawing/2014/main" xmlns="" id="{F6E59D80-076C-4696-A8CA-B30D77AEDCFC}"/>
               </a:ext>
             </a:extLst>
           </p:cNvPr>
@@ -24751,7 +24751,7 @@
             <p:cNvPr id="9" name="Freeform 99">
               <a:extLst>
                 <a:ext uri="{FF2B5EF4-FFF2-40B4-BE49-F238E27FC236}">
-                  <a16:creationId xmlns="" xmlns:a16="http://schemas.microsoft.com/office/drawing/2014/main" id="{AC9D8E6B-9386-4529-8B1A-5F6C4064D693}"/>
+                  <a16:creationId xmlns:a16="http://schemas.microsoft.com/office/drawing/2014/main" xmlns="" id="{AC9D8E6B-9386-4529-8B1A-5F6C4064D693}"/>
                 </a:ext>
               </a:extLst>
             </p:cNvPr>
@@ -24903,7 +24903,7 @@
             <p:cNvPr id="10" name="Freeform 100">
               <a:extLst>
                 <a:ext uri="{FF2B5EF4-FFF2-40B4-BE49-F238E27FC236}">
-                  <a16:creationId xmlns="" xmlns:a16="http://schemas.microsoft.com/office/drawing/2014/main" id="{1BE1621F-DEA9-4744-AF45-C3B17B22D0A5}"/>
+                  <a16:creationId xmlns:a16="http://schemas.microsoft.com/office/drawing/2014/main" xmlns="" id="{1BE1621F-DEA9-4744-AF45-C3B17B22D0A5}"/>
                 </a:ext>
               </a:extLst>
             </p:cNvPr>
@@ -25085,7 +25085,7 @@
             <p:cNvPr id="11" name="Freeform 101">
               <a:extLst>
                 <a:ext uri="{FF2B5EF4-FFF2-40B4-BE49-F238E27FC236}">
-                  <a16:creationId xmlns="" xmlns:a16="http://schemas.microsoft.com/office/drawing/2014/main" id="{B5F1F7B1-8E8D-4FDB-86DB-4B0D68CBD359}"/>
+                  <a16:creationId xmlns:a16="http://schemas.microsoft.com/office/drawing/2014/main" xmlns="" id="{B5F1F7B1-8E8D-4FDB-86DB-4B0D68CBD359}"/>
                 </a:ext>
               </a:extLst>
             </p:cNvPr>
@@ -25277,7 +25277,7 @@
             <p:cNvPr id="12" name="Freeform 102">
               <a:extLst>
                 <a:ext uri="{FF2B5EF4-FFF2-40B4-BE49-F238E27FC236}">
-                  <a16:creationId xmlns="" xmlns:a16="http://schemas.microsoft.com/office/drawing/2014/main" id="{6E88E6C0-7894-41EE-B6E1-E22230BADB87}"/>
+                  <a16:creationId xmlns:a16="http://schemas.microsoft.com/office/drawing/2014/main" xmlns="" id="{6E88E6C0-7894-41EE-B6E1-E22230BADB87}"/>
                 </a:ext>
               </a:extLst>
             </p:cNvPr>
@@ -25459,7 +25459,7 @@
             <p:cNvPr id="13" name="Freeform 103">
               <a:extLst>
                 <a:ext uri="{FF2B5EF4-FFF2-40B4-BE49-F238E27FC236}">
-                  <a16:creationId xmlns="" xmlns:a16="http://schemas.microsoft.com/office/drawing/2014/main" id="{120BF1D0-D66A-4B60-B667-A9CA53321444}"/>
+                  <a16:creationId xmlns:a16="http://schemas.microsoft.com/office/drawing/2014/main" xmlns="" id="{120BF1D0-D66A-4B60-B667-A9CA53321444}"/>
                 </a:ext>
               </a:extLst>
             </p:cNvPr>
@@ -25641,7 +25641,7 @@
             <p:cNvPr id="14" name="Freeform 104">
               <a:extLst>
                 <a:ext uri="{FF2B5EF4-FFF2-40B4-BE49-F238E27FC236}">
-                  <a16:creationId xmlns="" xmlns:a16="http://schemas.microsoft.com/office/drawing/2014/main" id="{CAD4AEF5-B2E4-4DAC-BA85-BD6524903309}"/>
+                  <a16:creationId xmlns:a16="http://schemas.microsoft.com/office/drawing/2014/main" xmlns="" id="{CAD4AEF5-B2E4-4DAC-BA85-BD6524903309}"/>
                 </a:ext>
               </a:extLst>
             </p:cNvPr>
@@ -25863,7 +25863,7 @@
             <p:cNvPr id="15" name="Freeform 105">
               <a:extLst>
                 <a:ext uri="{FF2B5EF4-FFF2-40B4-BE49-F238E27FC236}">
-                  <a16:creationId xmlns="" xmlns:a16="http://schemas.microsoft.com/office/drawing/2014/main" id="{2C5F3221-5660-4FDD-A416-984B16B5ADAE}"/>
+                  <a16:creationId xmlns:a16="http://schemas.microsoft.com/office/drawing/2014/main" xmlns="" id="{2C5F3221-5660-4FDD-A416-984B16B5ADAE}"/>
                 </a:ext>
               </a:extLst>
             </p:cNvPr>
@@ -26105,7 +26105,7 @@
             <p:cNvPr id="16" name="Freeform 106">
               <a:extLst>
                 <a:ext uri="{FF2B5EF4-FFF2-40B4-BE49-F238E27FC236}">
-                  <a16:creationId xmlns="" xmlns:a16="http://schemas.microsoft.com/office/drawing/2014/main" id="{3619E9EE-CA2A-4A7E-9595-15737C18E0BF}"/>
+                  <a16:creationId xmlns:a16="http://schemas.microsoft.com/office/drawing/2014/main" xmlns="" id="{3619E9EE-CA2A-4A7E-9595-15737C18E0BF}"/>
                 </a:ext>
               </a:extLst>
             </p:cNvPr>
@@ -26207,7 +26207,7 @@
             <p:cNvPr id="17" name="Freeform 107">
               <a:extLst>
                 <a:ext uri="{FF2B5EF4-FFF2-40B4-BE49-F238E27FC236}">
-                  <a16:creationId xmlns="" xmlns:a16="http://schemas.microsoft.com/office/drawing/2014/main" id="{2D49FD2E-3838-4146-A460-681CDCDDDF9A}"/>
+                  <a16:creationId xmlns:a16="http://schemas.microsoft.com/office/drawing/2014/main" xmlns="" id="{2D49FD2E-3838-4146-A460-681CDCDDDF9A}"/>
                 </a:ext>
               </a:extLst>
             </p:cNvPr>
@@ -26309,7 +26309,7 @@
             <p:cNvPr id="18" name="Freeform 108">
               <a:extLst>
                 <a:ext uri="{FF2B5EF4-FFF2-40B4-BE49-F238E27FC236}">
-                  <a16:creationId xmlns="" xmlns:a16="http://schemas.microsoft.com/office/drawing/2014/main" id="{BC1FDE14-1AFF-4866-A13A-D78663B3ACF4}"/>
+                  <a16:creationId xmlns:a16="http://schemas.microsoft.com/office/drawing/2014/main" xmlns="" id="{BC1FDE14-1AFF-4866-A13A-D78663B3ACF4}"/>
                 </a:ext>
               </a:extLst>
             </p:cNvPr>
@@ -26411,7 +26411,7 @@
             <p:cNvPr id="19" name="Freeform 109">
               <a:extLst>
                 <a:ext uri="{FF2B5EF4-FFF2-40B4-BE49-F238E27FC236}">
-                  <a16:creationId xmlns="" xmlns:a16="http://schemas.microsoft.com/office/drawing/2014/main" id="{063D068F-339C-47BA-9092-606776DB4837}"/>
+                  <a16:creationId xmlns:a16="http://schemas.microsoft.com/office/drawing/2014/main" xmlns="" id="{063D068F-339C-47BA-9092-606776DB4837}"/>
                 </a:ext>
               </a:extLst>
             </p:cNvPr>
@@ -26563,7 +26563,7 @@
             <p:cNvPr id="20" name="Freeform 110">
               <a:extLst>
                 <a:ext uri="{FF2B5EF4-FFF2-40B4-BE49-F238E27FC236}">
-                  <a16:creationId xmlns="" xmlns:a16="http://schemas.microsoft.com/office/drawing/2014/main" id="{9EF6ADF9-E415-44BA-8A09-ACF76BF6F157}"/>
+                  <a16:creationId xmlns:a16="http://schemas.microsoft.com/office/drawing/2014/main" xmlns="" id="{9EF6ADF9-E415-44BA-8A09-ACF76BF6F157}"/>
                 </a:ext>
               </a:extLst>
             </p:cNvPr>
@@ -26935,7 +26935,7 @@
             <p:cNvPr id="21" name="Freeform 111">
               <a:extLst>
                 <a:ext uri="{FF2B5EF4-FFF2-40B4-BE49-F238E27FC236}">
-                  <a16:creationId xmlns="" xmlns:a16="http://schemas.microsoft.com/office/drawing/2014/main" id="{4AA15E7F-EACA-4AFC-A266-9457685D2FD1}"/>
+                  <a16:creationId xmlns:a16="http://schemas.microsoft.com/office/drawing/2014/main" xmlns="" id="{4AA15E7F-EACA-4AFC-A266-9457685D2FD1}"/>
                 </a:ext>
               </a:extLst>
             </p:cNvPr>
@@ -27107,7 +27107,7 @@
             <p:cNvPr id="22" name="Freeform 112">
               <a:extLst>
                 <a:ext uri="{FF2B5EF4-FFF2-40B4-BE49-F238E27FC236}">
-                  <a16:creationId xmlns="" xmlns:a16="http://schemas.microsoft.com/office/drawing/2014/main" id="{9ABAD878-1B58-4815-BC91-D56C1C154D07}"/>
+                  <a16:creationId xmlns:a16="http://schemas.microsoft.com/office/drawing/2014/main" xmlns="" id="{9ABAD878-1B58-4815-BC91-D56C1C154D07}"/>
                 </a:ext>
               </a:extLst>
             </p:cNvPr>
@@ -27549,7 +27549,7 @@
             <p:cNvPr id="23" name="Freeform 113">
               <a:extLst>
                 <a:ext uri="{FF2B5EF4-FFF2-40B4-BE49-F238E27FC236}">
-                  <a16:creationId xmlns="" xmlns:a16="http://schemas.microsoft.com/office/drawing/2014/main" id="{C8DD0AFC-3A0F-4444-B0BC-D95D547454BB}"/>
+                  <a16:creationId xmlns:a16="http://schemas.microsoft.com/office/drawing/2014/main" xmlns="" id="{C8DD0AFC-3A0F-4444-B0BC-D95D547454BB}"/>
                 </a:ext>
               </a:extLst>
             </p:cNvPr>
@@ -27931,7 +27931,7 @@
             <p:cNvPr id="24" name="Freeform 114">
               <a:extLst>
                 <a:ext uri="{FF2B5EF4-FFF2-40B4-BE49-F238E27FC236}">
-                  <a16:creationId xmlns="" xmlns:a16="http://schemas.microsoft.com/office/drawing/2014/main" id="{F2AE930D-887F-4A52-A067-9C77D031CF63}"/>
+                  <a16:creationId xmlns:a16="http://schemas.microsoft.com/office/drawing/2014/main" xmlns="" id="{F2AE930D-887F-4A52-A067-9C77D031CF63}"/>
                 </a:ext>
               </a:extLst>
             </p:cNvPr>
@@ -28323,7 +28323,7 @@
             <p:cNvPr id="25" name="Freeform 115">
               <a:extLst>
                 <a:ext uri="{FF2B5EF4-FFF2-40B4-BE49-F238E27FC236}">
-                  <a16:creationId xmlns="" xmlns:a16="http://schemas.microsoft.com/office/drawing/2014/main" id="{22C58FBE-8B90-4D60-9771-267B7DF94962}"/>
+                  <a16:creationId xmlns:a16="http://schemas.microsoft.com/office/drawing/2014/main" xmlns="" id="{22C58FBE-8B90-4D60-9771-267B7DF94962}"/>
                 </a:ext>
               </a:extLst>
             </p:cNvPr>
@@ -28595,7 +28595,7 @@
             <p:cNvPr id="26" name="Freeform 116">
               <a:extLst>
                 <a:ext uri="{FF2B5EF4-FFF2-40B4-BE49-F238E27FC236}">
-                  <a16:creationId xmlns="" xmlns:a16="http://schemas.microsoft.com/office/drawing/2014/main" id="{16ACB36B-9D6A-4514-979B-E4B5E882725B}"/>
+                  <a16:creationId xmlns:a16="http://schemas.microsoft.com/office/drawing/2014/main" xmlns="" id="{16ACB36B-9D6A-4514-979B-E4B5E882725B}"/>
                 </a:ext>
               </a:extLst>
             </p:cNvPr>
@@ -28747,7 +28747,7 @@
             <p:cNvPr id="27" name="Freeform 117">
               <a:extLst>
                 <a:ext uri="{FF2B5EF4-FFF2-40B4-BE49-F238E27FC236}">
-                  <a16:creationId xmlns="" xmlns:a16="http://schemas.microsoft.com/office/drawing/2014/main" id="{E56F45A1-3BA2-48D1-B694-90E2D7E5F00F}"/>
+                  <a16:creationId xmlns:a16="http://schemas.microsoft.com/office/drawing/2014/main" xmlns="" id="{E56F45A1-3BA2-48D1-B694-90E2D7E5F00F}"/>
                 </a:ext>
               </a:extLst>
             </p:cNvPr>
@@ -28879,7 +28879,7 @@
             <p:cNvPr id="28" name="Freeform 118">
               <a:extLst>
                 <a:ext uri="{FF2B5EF4-FFF2-40B4-BE49-F238E27FC236}">
-                  <a16:creationId xmlns="" xmlns:a16="http://schemas.microsoft.com/office/drawing/2014/main" id="{538E39C8-6031-47A8-88F1-CF9012F1A85A}"/>
+                  <a16:creationId xmlns:a16="http://schemas.microsoft.com/office/drawing/2014/main" xmlns="" id="{538E39C8-6031-47A8-88F1-CF9012F1A85A}"/>
                 </a:ext>
               </a:extLst>
             </p:cNvPr>
@@ -29101,7 +29101,7 @@
             <p:cNvPr id="29" name="Freeform 119">
               <a:extLst>
                 <a:ext uri="{FF2B5EF4-FFF2-40B4-BE49-F238E27FC236}">
-                  <a16:creationId xmlns="" xmlns:a16="http://schemas.microsoft.com/office/drawing/2014/main" id="{D6D88D87-1A88-4DA3-84EA-348D6C165178}"/>
+                  <a16:creationId xmlns:a16="http://schemas.microsoft.com/office/drawing/2014/main" xmlns="" id="{D6D88D87-1A88-4DA3-84EA-348D6C165178}"/>
                 </a:ext>
               </a:extLst>
             </p:cNvPr>
@@ -29323,7 +29323,7 @@
             <p:cNvPr id="30" name="Freeform 120">
               <a:extLst>
                 <a:ext uri="{FF2B5EF4-FFF2-40B4-BE49-F238E27FC236}">
-                  <a16:creationId xmlns="" xmlns:a16="http://schemas.microsoft.com/office/drawing/2014/main" id="{F0B5ACCA-D6E1-45B2-81B9-6347C94E21DF}"/>
+                  <a16:creationId xmlns:a16="http://schemas.microsoft.com/office/drawing/2014/main" xmlns="" id="{F0B5ACCA-D6E1-45B2-81B9-6347C94E21DF}"/>
                 </a:ext>
               </a:extLst>
             </p:cNvPr>
@@ -29545,7 +29545,7 @@
             <p:cNvPr id="31" name="Freeform 121">
               <a:extLst>
                 <a:ext uri="{FF2B5EF4-FFF2-40B4-BE49-F238E27FC236}">
-                  <a16:creationId xmlns="" xmlns:a16="http://schemas.microsoft.com/office/drawing/2014/main" id="{174726A2-EDA9-46A3-93A1-03BE06A124F2}"/>
+                  <a16:creationId xmlns:a16="http://schemas.microsoft.com/office/drawing/2014/main" xmlns="" id="{174726A2-EDA9-46A3-93A1-03BE06A124F2}"/>
                 </a:ext>
               </a:extLst>
             </p:cNvPr>
@@ -29807,7 +29807,7 @@
             <p:cNvPr id="32" name="Freeform 122">
               <a:extLst>
                 <a:ext uri="{FF2B5EF4-FFF2-40B4-BE49-F238E27FC236}">
-                  <a16:creationId xmlns="" xmlns:a16="http://schemas.microsoft.com/office/drawing/2014/main" id="{5A8E0F72-9753-459A-B28D-417391CFB229}"/>
+                  <a16:creationId xmlns:a16="http://schemas.microsoft.com/office/drawing/2014/main" xmlns="" id="{5A8E0F72-9753-459A-B28D-417391CFB229}"/>
                 </a:ext>
               </a:extLst>
             </p:cNvPr>
@@ -29989,7 +29989,7 @@
             <p:cNvPr id="33" name="Freeform 123">
               <a:extLst>
                 <a:ext uri="{FF2B5EF4-FFF2-40B4-BE49-F238E27FC236}">
-                  <a16:creationId xmlns="" xmlns:a16="http://schemas.microsoft.com/office/drawing/2014/main" id="{3320A7A6-6BBF-4A10-AE74-EF784C22B39A}"/>
+                  <a16:creationId xmlns:a16="http://schemas.microsoft.com/office/drawing/2014/main" xmlns="" id="{3320A7A6-6BBF-4A10-AE74-EF784C22B39A}"/>
                 </a:ext>
               </a:extLst>
             </p:cNvPr>
@@ -30151,7 +30151,7 @@
             <p:cNvPr id="34" name="Freeform 124">
               <a:extLst>
                 <a:ext uri="{FF2B5EF4-FFF2-40B4-BE49-F238E27FC236}">
-                  <a16:creationId xmlns="" xmlns:a16="http://schemas.microsoft.com/office/drawing/2014/main" id="{02807F45-F5C7-4758-8C09-1F9D9FB9ECFC}"/>
+                  <a16:creationId xmlns:a16="http://schemas.microsoft.com/office/drawing/2014/main" xmlns="" id="{02807F45-F5C7-4758-8C09-1F9D9FB9ECFC}"/>
                 </a:ext>
               </a:extLst>
             </p:cNvPr>
@@ -30393,7 +30393,7 @@
             <p:cNvPr id="35" name="Freeform 125">
               <a:extLst>
                 <a:ext uri="{FF2B5EF4-FFF2-40B4-BE49-F238E27FC236}">
-                  <a16:creationId xmlns="" xmlns:a16="http://schemas.microsoft.com/office/drawing/2014/main" id="{A6672E50-E5DE-4643-932F-C7CAC9261D23}"/>
+                  <a16:creationId xmlns:a16="http://schemas.microsoft.com/office/drawing/2014/main" xmlns="" id="{A6672E50-E5DE-4643-932F-C7CAC9261D23}"/>
                 </a:ext>
               </a:extLst>
             </p:cNvPr>
@@ -30655,7 +30655,7 @@
             <p:cNvPr id="36" name="Freeform 126">
               <a:extLst>
                 <a:ext uri="{FF2B5EF4-FFF2-40B4-BE49-F238E27FC236}">
-                  <a16:creationId xmlns="" xmlns:a16="http://schemas.microsoft.com/office/drawing/2014/main" id="{EA089E74-B78F-4ACE-8046-EB079E2FCF56}"/>
+                  <a16:creationId xmlns:a16="http://schemas.microsoft.com/office/drawing/2014/main" xmlns="" id="{EA089E74-B78F-4ACE-8046-EB079E2FCF56}"/>
                 </a:ext>
               </a:extLst>
             </p:cNvPr>
@@ -30969,7 +30969,7 @@
           <p:cNvPr id="12" name="Imagen 11">
             <a:extLst>
               <a:ext uri="{FF2B5EF4-FFF2-40B4-BE49-F238E27FC236}">
-                <a16:creationId xmlns="" xmlns:a16="http://schemas.microsoft.com/office/drawing/2014/main" id="{0633DF26-E03C-49B7-8009-B152436760EA}"/>
+                <a16:creationId xmlns:a16="http://schemas.microsoft.com/office/drawing/2014/main" xmlns="" id="{0633DF26-E03C-49B7-8009-B152436760EA}"/>
               </a:ext>
             </a:extLst>
           </p:cNvPr>
@@ -31562,7 +31562,7 @@
           <p:cNvPr id="8" name="Título 1">
             <a:extLst>
               <a:ext uri="{FF2B5EF4-FFF2-40B4-BE49-F238E27FC236}">
-                <a16:creationId xmlns="" xmlns:a16="http://schemas.microsoft.com/office/drawing/2014/main" id="{1334CBD3-A99C-41E8-9883-E9DA6A3829FF}"/>
+                <a16:creationId xmlns:a16="http://schemas.microsoft.com/office/drawing/2014/main" xmlns="" id="{1334CBD3-A99C-41E8-9883-E9DA6A3829FF}"/>
               </a:ext>
             </a:extLst>
           </p:cNvPr>
@@ -32084,7 +32084,7 @@
           <p:cNvPr id="12" name="Imagen 11">
             <a:extLst>
               <a:ext uri="{FF2B5EF4-FFF2-40B4-BE49-F238E27FC236}">
-                <a16:creationId xmlns="" xmlns:a16="http://schemas.microsoft.com/office/drawing/2014/main" id="{0633DF26-E03C-49B7-8009-B152436760EA}"/>
+                <a16:creationId xmlns:a16="http://schemas.microsoft.com/office/drawing/2014/main" xmlns="" id="{0633DF26-E03C-49B7-8009-B152436760EA}"/>
               </a:ext>
             </a:extLst>
           </p:cNvPr>
@@ -32146,7 +32146,7 @@
           <p:cNvPr id="7" name="Título 1">
             <a:extLst>
               <a:ext uri="{FF2B5EF4-FFF2-40B4-BE49-F238E27FC236}">
-                <a16:creationId xmlns="" xmlns:a16="http://schemas.microsoft.com/office/drawing/2014/main" id="{1334CBD3-A99C-41E8-9883-E9DA6A3829FF}"/>
+                <a16:creationId xmlns:a16="http://schemas.microsoft.com/office/drawing/2014/main" xmlns="" id="{1334CBD3-A99C-41E8-9883-E9DA6A3829FF}"/>
               </a:ext>
             </a:extLst>
           </p:cNvPr>
@@ -33045,7 +33045,7 @@
           <p:cNvPr id="3" name="Título 1">
             <a:extLst>
               <a:ext uri="{FF2B5EF4-FFF2-40B4-BE49-F238E27FC236}">
-                <a16:creationId xmlns="" xmlns:a16="http://schemas.microsoft.com/office/drawing/2014/main" id="{C74FDE85-A811-49B8-BCA5-144B3BF9178F}"/>
+                <a16:creationId xmlns:a16="http://schemas.microsoft.com/office/drawing/2014/main" xmlns="" id="{C74FDE85-A811-49B8-BCA5-144B3BF9178F}"/>
               </a:ext>
             </a:extLst>
           </p:cNvPr>
@@ -33102,7 +33102,7 @@
           <p:cNvPr id="12" name="Imagen 11">
             <a:extLst>
               <a:ext uri="{FF2B5EF4-FFF2-40B4-BE49-F238E27FC236}">
-                <a16:creationId xmlns="" xmlns:a16="http://schemas.microsoft.com/office/drawing/2014/main" id="{0633DF26-E03C-49B7-8009-B152436760EA}"/>
+                <a16:creationId xmlns:a16="http://schemas.microsoft.com/office/drawing/2014/main" xmlns="" id="{0633DF26-E03C-49B7-8009-B152436760EA}"/>
               </a:ext>
             </a:extLst>
           </p:cNvPr>
@@ -33227,7 +33227,7 @@
           <p:cNvPr id="8" name="Título 1">
             <a:extLst>
               <a:ext uri="{FF2B5EF4-FFF2-40B4-BE49-F238E27FC236}">
-                <a16:creationId xmlns="" xmlns:a16="http://schemas.microsoft.com/office/drawing/2014/main" id="{C74FDE85-A811-49B8-BCA5-144B3BF9178F}"/>
+                <a16:creationId xmlns:a16="http://schemas.microsoft.com/office/drawing/2014/main" xmlns="" id="{C74FDE85-A811-49B8-BCA5-144B3BF9178F}"/>
               </a:ext>
             </a:extLst>
           </p:cNvPr>
@@ -33368,7 +33368,7 @@
           <p:cNvPr id="3" name="Título 1">
             <a:extLst>
               <a:ext uri="{FF2B5EF4-FFF2-40B4-BE49-F238E27FC236}">
-                <a16:creationId xmlns="" xmlns:a16="http://schemas.microsoft.com/office/drawing/2014/main" id="{C74FDE85-A811-49B8-BCA5-144B3BF9178F}"/>
+                <a16:creationId xmlns:a16="http://schemas.microsoft.com/office/drawing/2014/main" xmlns="" id="{C74FDE85-A811-49B8-BCA5-144B3BF9178F}"/>
               </a:ext>
             </a:extLst>
           </p:cNvPr>
@@ -33425,7 +33425,7 @@
           <p:cNvPr id="12" name="Imagen 11">
             <a:extLst>
               <a:ext uri="{FF2B5EF4-FFF2-40B4-BE49-F238E27FC236}">
-                <a16:creationId xmlns="" xmlns:a16="http://schemas.microsoft.com/office/drawing/2014/main" id="{0633DF26-E03C-49B7-8009-B152436760EA}"/>
+                <a16:creationId xmlns:a16="http://schemas.microsoft.com/office/drawing/2014/main" xmlns="" id="{0633DF26-E03C-49B7-8009-B152436760EA}"/>
               </a:ext>
             </a:extLst>
           </p:cNvPr>
@@ -33550,7 +33550,7 @@
           <p:cNvPr id="8" name="Título 1">
             <a:extLst>
               <a:ext uri="{FF2B5EF4-FFF2-40B4-BE49-F238E27FC236}">
-                <a16:creationId xmlns="" xmlns:a16="http://schemas.microsoft.com/office/drawing/2014/main" id="{C74FDE85-A811-49B8-BCA5-144B3BF9178F}"/>
+                <a16:creationId xmlns:a16="http://schemas.microsoft.com/office/drawing/2014/main" xmlns="" id="{C74FDE85-A811-49B8-BCA5-144B3BF9178F}"/>
               </a:ext>
             </a:extLst>
           </p:cNvPr>
@@ -33667,7 +33667,7 @@
           <p:cNvPr id="3" name="Título 1">
             <a:extLst>
               <a:ext uri="{FF2B5EF4-FFF2-40B4-BE49-F238E27FC236}">
-                <a16:creationId xmlns="" xmlns:a16="http://schemas.microsoft.com/office/drawing/2014/main" id="{C74FDE85-A811-49B8-BCA5-144B3BF9178F}"/>
+                <a16:creationId xmlns:a16="http://schemas.microsoft.com/office/drawing/2014/main" xmlns="" id="{C74FDE85-A811-49B8-BCA5-144B3BF9178F}"/>
               </a:ext>
             </a:extLst>
           </p:cNvPr>
@@ -33724,7 +33724,7 @@
           <p:cNvPr id="12" name="Imagen 11">
             <a:extLst>
               <a:ext uri="{FF2B5EF4-FFF2-40B4-BE49-F238E27FC236}">
-                <a16:creationId xmlns="" xmlns:a16="http://schemas.microsoft.com/office/drawing/2014/main" id="{0633DF26-E03C-49B7-8009-B152436760EA}"/>
+                <a16:creationId xmlns:a16="http://schemas.microsoft.com/office/drawing/2014/main" xmlns="" id="{0633DF26-E03C-49B7-8009-B152436760EA}"/>
               </a:ext>
             </a:extLst>
           </p:cNvPr>
@@ -33849,7 +33849,7 @@
           <p:cNvPr id="8" name="Título 1">
             <a:extLst>
               <a:ext uri="{FF2B5EF4-FFF2-40B4-BE49-F238E27FC236}">
-                <a16:creationId xmlns="" xmlns:a16="http://schemas.microsoft.com/office/drawing/2014/main" id="{C74FDE85-A811-49B8-BCA5-144B3BF9178F}"/>
+                <a16:creationId xmlns:a16="http://schemas.microsoft.com/office/drawing/2014/main" xmlns="" id="{C74FDE85-A811-49B8-BCA5-144B3BF9178F}"/>
               </a:ext>
             </a:extLst>
           </p:cNvPr>
@@ -34559,7 +34559,7 @@
           <p:cNvPr id="3" name="Título 1">
             <a:extLst>
               <a:ext uri="{FF2B5EF4-FFF2-40B4-BE49-F238E27FC236}">
-                <a16:creationId xmlns="" xmlns:a16="http://schemas.microsoft.com/office/drawing/2014/main" id="{C74FDE85-A811-49B8-BCA5-144B3BF9178F}"/>
+                <a16:creationId xmlns:a16="http://schemas.microsoft.com/office/drawing/2014/main" xmlns="" id="{C74FDE85-A811-49B8-BCA5-144B3BF9178F}"/>
               </a:ext>
             </a:extLst>
           </p:cNvPr>
@@ -34616,7 +34616,7 @@
           <p:cNvPr id="12" name="Imagen 11">
             <a:extLst>
               <a:ext uri="{FF2B5EF4-FFF2-40B4-BE49-F238E27FC236}">
-                <a16:creationId xmlns="" xmlns:a16="http://schemas.microsoft.com/office/drawing/2014/main" id="{0633DF26-E03C-49B7-8009-B152436760EA}"/>
+                <a16:creationId xmlns:a16="http://schemas.microsoft.com/office/drawing/2014/main" xmlns="" id="{0633DF26-E03C-49B7-8009-B152436760EA}"/>
               </a:ext>
             </a:extLst>
           </p:cNvPr>
@@ -34741,7 +34741,7 @@
           <p:cNvPr id="8" name="Título 1">
             <a:extLst>
               <a:ext uri="{FF2B5EF4-FFF2-40B4-BE49-F238E27FC236}">
-                <a16:creationId xmlns="" xmlns:a16="http://schemas.microsoft.com/office/drawing/2014/main" id="{C74FDE85-A811-49B8-BCA5-144B3BF9178F}"/>
+                <a16:creationId xmlns:a16="http://schemas.microsoft.com/office/drawing/2014/main" xmlns="" id="{C74FDE85-A811-49B8-BCA5-144B3BF9178F}"/>
               </a:ext>
             </a:extLst>
           </p:cNvPr>
@@ -34979,7 +34979,7 @@
           <p:cNvPr id="3" name="Título 1">
             <a:extLst>
               <a:ext uri="{FF2B5EF4-FFF2-40B4-BE49-F238E27FC236}">
-                <a16:creationId xmlns="" xmlns:a16="http://schemas.microsoft.com/office/drawing/2014/main" id="{C74FDE85-A811-49B8-BCA5-144B3BF9178F}"/>
+                <a16:creationId xmlns:a16="http://schemas.microsoft.com/office/drawing/2014/main" xmlns="" id="{C74FDE85-A811-49B8-BCA5-144B3BF9178F}"/>
               </a:ext>
             </a:extLst>
           </p:cNvPr>
@@ -35036,7 +35036,7 @@
           <p:cNvPr id="12" name="Imagen 11">
             <a:extLst>
               <a:ext uri="{FF2B5EF4-FFF2-40B4-BE49-F238E27FC236}">
-                <a16:creationId xmlns="" xmlns:a16="http://schemas.microsoft.com/office/drawing/2014/main" id="{0633DF26-E03C-49B7-8009-B152436760EA}"/>
+                <a16:creationId xmlns:a16="http://schemas.microsoft.com/office/drawing/2014/main" xmlns="" id="{0633DF26-E03C-49B7-8009-B152436760EA}"/>
               </a:ext>
             </a:extLst>
           </p:cNvPr>
@@ -35161,7 +35161,7 @@
           <p:cNvPr id="8" name="Título 1">
             <a:extLst>
               <a:ext uri="{FF2B5EF4-FFF2-40B4-BE49-F238E27FC236}">
-                <a16:creationId xmlns="" xmlns:a16="http://schemas.microsoft.com/office/drawing/2014/main" id="{C74FDE85-A811-49B8-BCA5-144B3BF9178F}"/>
+                <a16:creationId xmlns:a16="http://schemas.microsoft.com/office/drawing/2014/main" xmlns="" id="{C74FDE85-A811-49B8-BCA5-144B3BF9178F}"/>
               </a:ext>
             </a:extLst>
           </p:cNvPr>
@@ -35471,7 +35471,7 @@
           <p:cNvPr id="3" name="Título 1">
             <a:extLst>
               <a:ext uri="{FF2B5EF4-FFF2-40B4-BE49-F238E27FC236}">
-                <a16:creationId xmlns="" xmlns:a16="http://schemas.microsoft.com/office/drawing/2014/main" id="{C74FDE85-A811-49B8-BCA5-144B3BF9178F}"/>
+                <a16:creationId xmlns:a16="http://schemas.microsoft.com/office/drawing/2014/main" xmlns="" id="{C74FDE85-A811-49B8-BCA5-144B3BF9178F}"/>
               </a:ext>
             </a:extLst>
           </p:cNvPr>
@@ -35528,7 +35528,7 @@
           <p:cNvPr id="12" name="Imagen 11">
             <a:extLst>
               <a:ext uri="{FF2B5EF4-FFF2-40B4-BE49-F238E27FC236}">
-                <a16:creationId xmlns="" xmlns:a16="http://schemas.microsoft.com/office/drawing/2014/main" id="{0633DF26-E03C-49B7-8009-B152436760EA}"/>
+                <a16:creationId xmlns:a16="http://schemas.microsoft.com/office/drawing/2014/main" xmlns="" id="{0633DF26-E03C-49B7-8009-B152436760EA}"/>
               </a:ext>
             </a:extLst>
           </p:cNvPr>
@@ -35653,7 +35653,7 @@
           <p:cNvPr id="8" name="Título 1">
             <a:extLst>
               <a:ext uri="{FF2B5EF4-FFF2-40B4-BE49-F238E27FC236}">
-                <a16:creationId xmlns="" xmlns:a16="http://schemas.microsoft.com/office/drawing/2014/main" id="{C74FDE85-A811-49B8-BCA5-144B3BF9178F}"/>
+                <a16:creationId xmlns:a16="http://schemas.microsoft.com/office/drawing/2014/main" xmlns="" id="{C74FDE85-A811-49B8-BCA5-144B3BF9178F}"/>
               </a:ext>
             </a:extLst>
           </p:cNvPr>
@@ -35857,7 +35857,7 @@
           <p:cNvPr id="12" name="Imagen 11">
             <a:extLst>
               <a:ext uri="{FF2B5EF4-FFF2-40B4-BE49-F238E27FC236}">
-                <a16:creationId xmlns="" xmlns:a16="http://schemas.microsoft.com/office/drawing/2014/main" id="{0633DF26-E03C-49B7-8009-B152436760EA}"/>
+                <a16:creationId xmlns:a16="http://schemas.microsoft.com/office/drawing/2014/main" xmlns="" id="{0633DF26-E03C-49B7-8009-B152436760EA}"/>
               </a:ext>
             </a:extLst>
           </p:cNvPr>
@@ -35930,7 +35930,7 @@
         </p:blipFill>
         <p:spPr>
           <a:xfrm>
-            <a:off x="1930400" y="668074"/>
+            <a:off x="2082800" y="528374"/>
             <a:ext cx="9004300" cy="6200329"/>
           </a:xfrm>
           <a:prstGeom prst="rect">
@@ -35943,7 +35943,7 @@
           <p:cNvPr id="8" name="Título 1">
             <a:extLst>
               <a:ext uri="{FF2B5EF4-FFF2-40B4-BE49-F238E27FC236}">
-                <a16:creationId xmlns="" xmlns:a16="http://schemas.microsoft.com/office/drawing/2014/main" id="{1334CBD3-A99C-41E8-9883-E9DA6A3829FF}"/>
+                <a16:creationId xmlns:a16="http://schemas.microsoft.com/office/drawing/2014/main" xmlns="" id="{1334CBD3-A99C-41E8-9883-E9DA6A3829FF}"/>
               </a:ext>
             </a:extLst>
           </p:cNvPr>
@@ -36038,7 +36038,7 @@
           <p:cNvPr id="12" name="Imagen 11">
             <a:extLst>
               <a:ext uri="{FF2B5EF4-FFF2-40B4-BE49-F238E27FC236}">
-                <a16:creationId xmlns="" xmlns:a16="http://schemas.microsoft.com/office/drawing/2014/main" id="{0633DF26-E03C-49B7-8009-B152436760EA}"/>
+                <a16:creationId xmlns:a16="http://schemas.microsoft.com/office/drawing/2014/main" xmlns="" id="{0633DF26-E03C-49B7-8009-B152436760EA}"/>
               </a:ext>
             </a:extLst>
           </p:cNvPr>
@@ -36220,7 +36220,7 @@
           <p:cNvPr id="7" name="Título 1">
             <a:extLst>
               <a:ext uri="{FF2B5EF4-FFF2-40B4-BE49-F238E27FC236}">
-                <a16:creationId xmlns="" xmlns:a16="http://schemas.microsoft.com/office/drawing/2014/main" id="{1334CBD3-A99C-41E8-9883-E9DA6A3829FF}"/>
+                <a16:creationId xmlns:a16="http://schemas.microsoft.com/office/drawing/2014/main" xmlns="" id="{1334CBD3-A99C-41E8-9883-E9DA6A3829FF}"/>
               </a:ext>
             </a:extLst>
           </p:cNvPr>
@@ -36315,7 +36315,7 @@
           <p:cNvPr id="12" name="Imagen 11">
             <a:extLst>
               <a:ext uri="{FF2B5EF4-FFF2-40B4-BE49-F238E27FC236}">
-                <a16:creationId xmlns="" xmlns:a16="http://schemas.microsoft.com/office/drawing/2014/main" id="{0633DF26-E03C-49B7-8009-B152436760EA}"/>
+                <a16:creationId xmlns:a16="http://schemas.microsoft.com/office/drawing/2014/main" xmlns="" id="{0633DF26-E03C-49B7-8009-B152436760EA}"/>
               </a:ext>
             </a:extLst>
           </p:cNvPr>
@@ -36377,7 +36377,7 @@
           <p:cNvPr id="7" name="Título 1">
             <a:extLst>
               <a:ext uri="{FF2B5EF4-FFF2-40B4-BE49-F238E27FC236}">
-                <a16:creationId xmlns="" xmlns:a16="http://schemas.microsoft.com/office/drawing/2014/main" id="{1334CBD3-A99C-41E8-9883-E9DA6A3829FF}"/>
+                <a16:creationId xmlns:a16="http://schemas.microsoft.com/office/drawing/2014/main" xmlns="" id="{1334CBD3-A99C-41E8-9883-E9DA6A3829FF}"/>
               </a:ext>
             </a:extLst>
           </p:cNvPr>
@@ -36596,7 +36596,7 @@
           <p:cNvPr id="12" name="Imagen 11">
             <a:extLst>
               <a:ext uri="{FF2B5EF4-FFF2-40B4-BE49-F238E27FC236}">
-                <a16:creationId xmlns="" xmlns:a16="http://schemas.microsoft.com/office/drawing/2014/main" id="{0633DF26-E03C-49B7-8009-B152436760EA}"/>
+                <a16:creationId xmlns:a16="http://schemas.microsoft.com/office/drawing/2014/main" xmlns="" id="{0633DF26-E03C-49B7-8009-B152436760EA}"/>
               </a:ext>
             </a:extLst>
           </p:cNvPr>
@@ -36658,7 +36658,7 @@
           <p:cNvPr id="7" name="Título 1">
             <a:extLst>
               <a:ext uri="{FF2B5EF4-FFF2-40B4-BE49-F238E27FC236}">
-                <a16:creationId xmlns="" xmlns:a16="http://schemas.microsoft.com/office/drawing/2014/main" id="{1334CBD3-A99C-41E8-9883-E9DA6A3829FF}"/>
+                <a16:creationId xmlns:a16="http://schemas.microsoft.com/office/drawing/2014/main" xmlns="" id="{1334CBD3-A99C-41E8-9883-E9DA6A3829FF}"/>
               </a:ext>
             </a:extLst>
           </p:cNvPr>
@@ -36940,7 +36940,7 @@
           <p:cNvPr id="12" name="Imagen 11">
             <a:extLst>
               <a:ext uri="{FF2B5EF4-FFF2-40B4-BE49-F238E27FC236}">
-                <a16:creationId xmlns="" xmlns:a16="http://schemas.microsoft.com/office/drawing/2014/main" id="{0633DF26-E03C-49B7-8009-B152436760EA}"/>
+                <a16:creationId xmlns:a16="http://schemas.microsoft.com/office/drawing/2014/main" xmlns="" id="{0633DF26-E03C-49B7-8009-B152436760EA}"/>
               </a:ext>
             </a:extLst>
           </p:cNvPr>
@@ -37002,7 +37002,7 @@
           <p:cNvPr id="7" name="Título 1">
             <a:extLst>
               <a:ext uri="{FF2B5EF4-FFF2-40B4-BE49-F238E27FC236}">
-                <a16:creationId xmlns="" xmlns:a16="http://schemas.microsoft.com/office/drawing/2014/main" id="{1334CBD3-A99C-41E8-9883-E9DA6A3829FF}"/>
+                <a16:creationId xmlns:a16="http://schemas.microsoft.com/office/drawing/2014/main" xmlns="" id="{1334CBD3-A99C-41E8-9883-E9DA6A3829FF}"/>
               </a:ext>
             </a:extLst>
           </p:cNvPr>
@@ -37172,7 +37172,7 @@
           <p:cNvPr id="12" name="Imagen 11">
             <a:extLst>
               <a:ext uri="{FF2B5EF4-FFF2-40B4-BE49-F238E27FC236}">
-                <a16:creationId xmlns="" xmlns:a16="http://schemas.microsoft.com/office/drawing/2014/main" id="{0633DF26-E03C-49B7-8009-B152436760EA}"/>
+                <a16:creationId xmlns:a16="http://schemas.microsoft.com/office/drawing/2014/main" xmlns="" id="{0633DF26-E03C-49B7-8009-B152436760EA}"/>
               </a:ext>
             </a:extLst>
           </p:cNvPr>
@@ -37234,7 +37234,7 @@
           <p:cNvPr id="7" name="Título 1">
             <a:extLst>
               <a:ext uri="{FF2B5EF4-FFF2-40B4-BE49-F238E27FC236}">
-                <a16:creationId xmlns="" xmlns:a16="http://schemas.microsoft.com/office/drawing/2014/main" id="{1334CBD3-A99C-41E8-9883-E9DA6A3829FF}"/>
+                <a16:creationId xmlns:a16="http://schemas.microsoft.com/office/drawing/2014/main" xmlns="" id="{1334CBD3-A99C-41E8-9883-E9DA6A3829FF}"/>
               </a:ext>
             </a:extLst>
           </p:cNvPr>
@@ -37446,7 +37446,7 @@
           <p:cNvPr id="12" name="Imagen 11">
             <a:extLst>
               <a:ext uri="{FF2B5EF4-FFF2-40B4-BE49-F238E27FC236}">
-                <a16:creationId xmlns="" xmlns:a16="http://schemas.microsoft.com/office/drawing/2014/main" id="{0633DF26-E03C-49B7-8009-B152436760EA}"/>
+                <a16:creationId xmlns:a16="http://schemas.microsoft.com/office/drawing/2014/main" xmlns="" id="{0633DF26-E03C-49B7-8009-B152436760EA}"/>
               </a:ext>
             </a:extLst>
           </p:cNvPr>
@@ -38584,7 +38584,7 @@
           <p:cNvPr id="9" name="Título 1">
             <a:extLst>
               <a:ext uri="{FF2B5EF4-FFF2-40B4-BE49-F238E27FC236}">
-                <a16:creationId xmlns="" xmlns:a16="http://schemas.microsoft.com/office/drawing/2014/main" id="{1334CBD3-A99C-41E8-9883-E9DA6A3829FF}"/>
+                <a16:creationId xmlns:a16="http://schemas.microsoft.com/office/drawing/2014/main" xmlns="" id="{1334CBD3-A99C-41E8-9883-E9DA6A3829FF}"/>
               </a:ext>
             </a:extLst>
           </p:cNvPr>
@@ -38706,7 +38706,7 @@
           <p:cNvPr id="12" name="Imagen 11">
             <a:extLst>
               <a:ext uri="{FF2B5EF4-FFF2-40B4-BE49-F238E27FC236}">
-                <a16:creationId xmlns="" xmlns:a16="http://schemas.microsoft.com/office/drawing/2014/main" id="{0633DF26-E03C-49B7-8009-B152436760EA}"/>
+                <a16:creationId xmlns:a16="http://schemas.microsoft.com/office/drawing/2014/main" xmlns="" id="{0633DF26-E03C-49B7-8009-B152436760EA}"/>
               </a:ext>
             </a:extLst>
           </p:cNvPr>
@@ -39579,7 +39579,7 @@
           <p:cNvPr id="9" name="Título 1">
             <a:extLst>
               <a:ext uri="{FF2B5EF4-FFF2-40B4-BE49-F238E27FC236}">
-                <a16:creationId xmlns="" xmlns:a16="http://schemas.microsoft.com/office/drawing/2014/main" id="{1334CBD3-A99C-41E8-9883-E9DA6A3829FF}"/>
+                <a16:creationId xmlns:a16="http://schemas.microsoft.com/office/drawing/2014/main" xmlns="" id="{1334CBD3-A99C-41E8-9883-E9DA6A3829FF}"/>
               </a:ext>
             </a:extLst>
           </p:cNvPr>
